--- a/chinese/xinnianzhuhe.pptx
+++ b/chinese/xinnianzhuhe.pptx
@@ -7,10 +7,13 @@
   <p:sldIdLst>
     <p:sldId id="256" r:id="rId2"/>
     <p:sldId id="257" r:id="rId3"/>
-    <p:sldId id="258" r:id="rId4"/>
-    <p:sldId id="259" r:id="rId5"/>
-    <p:sldId id="260" r:id="rId6"/>
-    <p:sldId id="261" r:id="rId7"/>
+    <p:sldId id="262" r:id="rId4"/>
+    <p:sldId id="258" r:id="rId5"/>
+    <p:sldId id="263" r:id="rId6"/>
+    <p:sldId id="260" r:id="rId7"/>
+    <p:sldId id="264" r:id="rId8"/>
+    <p:sldId id="261" r:id="rId9"/>
+    <p:sldId id="265" r:id="rId10"/>
   </p:sldIdLst>
   <p:sldSz cx="9144000" cy="6858000" type="screen4x3"/>
   <p:notesSz cx="6858000" cy="9144000"/>
@@ -293,7 +296,8 @@
           <a:p>
             <a:fld id="{421D2C10-B376-4E44-ACE6-E606E082D8F6}" type="datetimeFigureOut">
               <a:rPr lang="zh-TW" altLang="en-US" smtClean="0"/>
-              <a:t>2018/2/9</a:t>
+              <a:pPr/>
+              <a:t>2019/1/25</a:t>
             </a:fld>
             <a:endParaRPr lang="zh-TW" altLang="en-US"/>
           </a:p>
@@ -335,6 +339,7 @@
           <a:p>
             <a:fld id="{AFFAF6B9-A6A3-4283-A9EB-30268E46A0EE}" type="slidenum">
               <a:rPr lang="zh-TW" altLang="en-US" smtClean="0"/>
+              <a:pPr/>
               <a:t>‹#›</a:t>
             </a:fld>
             <a:endParaRPr lang="zh-TW" altLang="en-US"/>
@@ -458,7 +463,8 @@
           <a:p>
             <a:fld id="{421D2C10-B376-4E44-ACE6-E606E082D8F6}" type="datetimeFigureOut">
               <a:rPr lang="zh-TW" altLang="en-US" smtClean="0"/>
-              <a:t>2018/2/9</a:t>
+              <a:pPr/>
+              <a:t>2019/1/25</a:t>
             </a:fld>
             <a:endParaRPr lang="zh-TW" altLang="en-US"/>
           </a:p>
@@ -500,6 +506,7 @@
           <a:p>
             <a:fld id="{AFFAF6B9-A6A3-4283-A9EB-30268E46A0EE}" type="slidenum">
               <a:rPr lang="zh-TW" altLang="en-US" smtClean="0"/>
+              <a:pPr/>
               <a:t>‹#›</a:t>
             </a:fld>
             <a:endParaRPr lang="zh-TW" altLang="en-US"/>
@@ -633,7 +640,8 @@
           <a:p>
             <a:fld id="{421D2C10-B376-4E44-ACE6-E606E082D8F6}" type="datetimeFigureOut">
               <a:rPr lang="zh-TW" altLang="en-US" smtClean="0"/>
-              <a:t>2018/2/9</a:t>
+              <a:pPr/>
+              <a:t>2019/1/25</a:t>
             </a:fld>
             <a:endParaRPr lang="zh-TW" altLang="en-US"/>
           </a:p>
@@ -675,6 +683,7 @@
           <a:p>
             <a:fld id="{AFFAF6B9-A6A3-4283-A9EB-30268E46A0EE}" type="slidenum">
               <a:rPr lang="zh-TW" altLang="en-US" smtClean="0"/>
+              <a:pPr/>
               <a:t>‹#›</a:t>
             </a:fld>
             <a:endParaRPr lang="zh-TW" altLang="en-US"/>
@@ -798,7 +807,8 @@
           <a:p>
             <a:fld id="{421D2C10-B376-4E44-ACE6-E606E082D8F6}" type="datetimeFigureOut">
               <a:rPr lang="zh-TW" altLang="en-US" smtClean="0"/>
-              <a:t>2018/2/9</a:t>
+              <a:pPr/>
+              <a:t>2019/1/25</a:t>
             </a:fld>
             <a:endParaRPr lang="zh-TW" altLang="en-US"/>
           </a:p>
@@ -840,6 +850,7 @@
           <a:p>
             <a:fld id="{AFFAF6B9-A6A3-4283-A9EB-30268E46A0EE}" type="slidenum">
               <a:rPr lang="zh-TW" altLang="en-US" smtClean="0"/>
+              <a:pPr/>
               <a:t>‹#›</a:t>
             </a:fld>
             <a:endParaRPr lang="zh-TW" altLang="en-US"/>
@@ -1039,7 +1050,8 @@
           <a:p>
             <a:fld id="{421D2C10-B376-4E44-ACE6-E606E082D8F6}" type="datetimeFigureOut">
               <a:rPr lang="zh-TW" altLang="en-US" smtClean="0"/>
-              <a:t>2018/2/9</a:t>
+              <a:pPr/>
+              <a:t>2019/1/25</a:t>
             </a:fld>
             <a:endParaRPr lang="zh-TW" altLang="en-US"/>
           </a:p>
@@ -1081,6 +1093,7 @@
           <a:p>
             <a:fld id="{AFFAF6B9-A6A3-4283-A9EB-30268E46A0EE}" type="slidenum">
               <a:rPr lang="zh-TW" altLang="en-US" smtClean="0"/>
+              <a:pPr/>
               <a:t>‹#›</a:t>
             </a:fld>
             <a:endParaRPr lang="zh-TW" altLang="en-US"/>
@@ -1322,7 +1335,8 @@
           <a:p>
             <a:fld id="{421D2C10-B376-4E44-ACE6-E606E082D8F6}" type="datetimeFigureOut">
               <a:rPr lang="zh-TW" altLang="en-US" smtClean="0"/>
-              <a:t>2018/2/9</a:t>
+              <a:pPr/>
+              <a:t>2019/1/25</a:t>
             </a:fld>
             <a:endParaRPr lang="zh-TW" altLang="en-US"/>
           </a:p>
@@ -1364,6 +1378,7 @@
           <a:p>
             <a:fld id="{AFFAF6B9-A6A3-4283-A9EB-30268E46A0EE}" type="slidenum">
               <a:rPr lang="zh-TW" altLang="en-US" smtClean="0"/>
+              <a:pPr/>
               <a:t>‹#›</a:t>
             </a:fld>
             <a:endParaRPr lang="zh-TW" altLang="en-US"/>
@@ -1739,7 +1754,8 @@
           <a:p>
             <a:fld id="{421D2C10-B376-4E44-ACE6-E606E082D8F6}" type="datetimeFigureOut">
               <a:rPr lang="zh-TW" altLang="en-US" smtClean="0"/>
-              <a:t>2018/2/9</a:t>
+              <a:pPr/>
+              <a:t>2019/1/25</a:t>
             </a:fld>
             <a:endParaRPr lang="zh-TW" altLang="en-US"/>
           </a:p>
@@ -1781,6 +1797,7 @@
           <a:p>
             <a:fld id="{AFFAF6B9-A6A3-4283-A9EB-30268E46A0EE}" type="slidenum">
               <a:rPr lang="zh-TW" altLang="en-US" smtClean="0"/>
+              <a:pPr/>
               <a:t>‹#›</a:t>
             </a:fld>
             <a:endParaRPr lang="zh-TW" altLang="en-US"/>
@@ -1852,7 +1869,8 @@
           <a:p>
             <a:fld id="{421D2C10-B376-4E44-ACE6-E606E082D8F6}" type="datetimeFigureOut">
               <a:rPr lang="zh-TW" altLang="en-US" smtClean="0"/>
-              <a:t>2018/2/9</a:t>
+              <a:pPr/>
+              <a:t>2019/1/25</a:t>
             </a:fld>
             <a:endParaRPr lang="zh-TW" altLang="en-US"/>
           </a:p>
@@ -1894,6 +1912,7 @@
           <a:p>
             <a:fld id="{AFFAF6B9-A6A3-4283-A9EB-30268E46A0EE}" type="slidenum">
               <a:rPr lang="zh-TW" altLang="en-US" smtClean="0"/>
+              <a:pPr/>
               <a:t>‹#›</a:t>
             </a:fld>
             <a:endParaRPr lang="zh-TW" altLang="en-US"/>
@@ -1942,7 +1961,8 @@
           <a:p>
             <a:fld id="{421D2C10-B376-4E44-ACE6-E606E082D8F6}" type="datetimeFigureOut">
               <a:rPr lang="zh-TW" altLang="en-US" smtClean="0"/>
-              <a:t>2018/2/9</a:t>
+              <a:pPr/>
+              <a:t>2019/1/25</a:t>
             </a:fld>
             <a:endParaRPr lang="zh-TW" altLang="en-US"/>
           </a:p>
@@ -1984,6 +2004,7 @@
           <a:p>
             <a:fld id="{AFFAF6B9-A6A3-4283-A9EB-30268E46A0EE}" type="slidenum">
               <a:rPr lang="zh-TW" altLang="en-US" smtClean="0"/>
+              <a:pPr/>
               <a:t>‹#›</a:t>
             </a:fld>
             <a:endParaRPr lang="zh-TW" altLang="en-US"/>
@@ -2214,7 +2235,8 @@
           <a:p>
             <a:fld id="{421D2C10-B376-4E44-ACE6-E606E082D8F6}" type="datetimeFigureOut">
               <a:rPr lang="zh-TW" altLang="en-US" smtClean="0"/>
-              <a:t>2018/2/9</a:t>
+              <a:pPr/>
+              <a:t>2019/1/25</a:t>
             </a:fld>
             <a:endParaRPr lang="zh-TW" altLang="en-US"/>
           </a:p>
@@ -2256,6 +2278,7 @@
           <a:p>
             <a:fld id="{AFFAF6B9-A6A3-4283-A9EB-30268E46A0EE}" type="slidenum">
               <a:rPr lang="zh-TW" altLang="en-US" smtClean="0"/>
+              <a:pPr/>
               <a:t>‹#›</a:t>
             </a:fld>
             <a:endParaRPr lang="zh-TW" altLang="en-US"/>
@@ -2462,7 +2485,8 @@
           <a:p>
             <a:fld id="{421D2C10-B376-4E44-ACE6-E606E082D8F6}" type="datetimeFigureOut">
               <a:rPr lang="zh-TW" altLang="en-US" smtClean="0"/>
-              <a:t>2018/2/9</a:t>
+              <a:pPr/>
+              <a:t>2019/1/25</a:t>
             </a:fld>
             <a:endParaRPr lang="zh-TW" altLang="en-US"/>
           </a:p>
@@ -2504,6 +2528,7 @@
           <a:p>
             <a:fld id="{AFFAF6B9-A6A3-4283-A9EB-30268E46A0EE}" type="slidenum">
               <a:rPr lang="zh-TW" altLang="en-US" smtClean="0"/>
+              <a:pPr/>
               <a:t>‹#›</a:t>
             </a:fld>
             <a:endParaRPr lang="zh-TW" altLang="en-US"/>
@@ -2670,7 +2695,8 @@
           <a:p>
             <a:fld id="{421D2C10-B376-4E44-ACE6-E606E082D8F6}" type="datetimeFigureOut">
               <a:rPr lang="zh-TW" altLang="en-US" smtClean="0"/>
-              <a:t>2018/2/9</a:t>
+              <a:pPr/>
+              <a:t>2019/1/25</a:t>
             </a:fld>
             <a:endParaRPr lang="zh-TW" altLang="en-US"/>
           </a:p>
@@ -2748,6 +2774,7 @@
           <a:p>
             <a:fld id="{AFFAF6B9-A6A3-4283-A9EB-30268E46A0EE}" type="slidenum">
               <a:rPr lang="zh-TW" altLang="en-US" smtClean="0"/>
+              <a:pPr/>
               <a:t>‹#›</a:t>
             </a:fld>
             <a:endParaRPr lang="zh-TW" altLang="en-US"/>
@@ -3194,7 +3221,7 @@
         </p:blipFill>
         <p:spPr bwMode="auto">
           <a:xfrm>
-            <a:off x="1285852" y="2495573"/>
+            <a:off x="285720" y="2495549"/>
             <a:ext cx="4500594" cy="4362451"/>
           </a:xfrm>
           <a:prstGeom prst="rect">
@@ -3341,8 +3368,8 @@
         </p:blipFill>
         <p:spPr bwMode="auto">
           <a:xfrm>
-            <a:off x="1285852" y="2495573"/>
-            <a:ext cx="4500594" cy="4362451"/>
+            <a:off x="214282" y="2428868"/>
+            <a:ext cx="3857652" cy="3739244"/>
           </a:xfrm>
           <a:prstGeom prst="rect">
             <a:avLst/>
@@ -3358,7 +3385,7 @@
         </p:nvSpPr>
         <p:spPr>
           <a:xfrm>
-            <a:off x="5238659" y="714356"/>
+            <a:off x="4786314" y="714356"/>
             <a:ext cx="3262432" cy="5286756"/>
           </a:xfrm>
           <a:prstGeom prst="rect">
@@ -3387,7 +3414,7 @@
                 <a:latin typeface="標楷體" pitchFamily="65" charset="-120"/>
                 <a:ea typeface="標楷體" pitchFamily="65" charset="-120"/>
               </a:rPr>
-              <a:t>身體健康</a:t>
+              <a:t>新年快樂</a:t>
             </a:r>
             <a:endParaRPr lang="en-US" altLang="zh-TW" sz="10000" b="1" dirty="0" smtClean="0">
               <a:solidFill>
@@ -3420,7 +3447,7 @@
                 <a:latin typeface="標楷體" pitchFamily="65" charset="-120"/>
                 <a:ea typeface="標楷體" pitchFamily="65" charset="-120"/>
               </a:rPr>
-              <a:t>身壯力健</a:t>
+              <a:t>新春愉快</a:t>
             </a:r>
             <a:endParaRPr lang="zh-TW" altLang="en-US" sz="10000" b="1" dirty="0">
               <a:solidFill>
@@ -3436,6 +3463,136 @@
               <a:latin typeface="標楷體" pitchFamily="65" charset="-120"/>
               <a:ea typeface="標楷體" pitchFamily="65" charset="-120"/>
             </a:endParaRPr>
+          </a:p>
+        </p:txBody>
+      </p:sp>
+      <p:sp>
+        <p:nvSpPr>
+          <p:cNvPr id="7" name="矩形 6"/>
+          <p:cNvSpPr/>
+          <p:nvPr/>
+        </p:nvSpPr>
+        <p:spPr>
+          <a:xfrm>
+            <a:off x="7786710" y="1285860"/>
+            <a:ext cx="1000132" cy="4524315"/>
+          </a:xfrm>
+          <a:prstGeom prst="rect">
+            <a:avLst/>
+          </a:prstGeom>
+        </p:spPr>
+        <p:txBody>
+          <a:bodyPr wrap="square">
+            <a:spAutoFit/>
+          </a:bodyPr>
+          <a:lstStyle/>
+          <a:p>
+            <a:r>
+              <a:rPr lang="en-US" sz="3200" dirty="0" err="1" smtClean="0"/>
+              <a:t>Xīn</a:t>
+            </a:r>
+            <a:endParaRPr lang="en-US" sz="3200" dirty="0" smtClean="0"/>
+          </a:p>
+          <a:p>
+            <a:endParaRPr lang="en-US" sz="3200" dirty="0" smtClean="0"/>
+          </a:p>
+          <a:p>
+            <a:endParaRPr lang="en-US" sz="3200" dirty="0" smtClean="0"/>
+          </a:p>
+          <a:p>
+            <a:r>
+              <a:rPr lang="en-US" sz="3200" dirty="0" err="1" smtClean="0"/>
+              <a:t>Nián</a:t>
+            </a:r>
+            <a:endParaRPr lang="en-US" sz="3200" dirty="0" smtClean="0"/>
+          </a:p>
+          <a:p>
+            <a:endParaRPr lang="en-US" sz="3200" dirty="0" smtClean="0"/>
+          </a:p>
+          <a:p>
+            <a:r>
+              <a:rPr lang="en-US" sz="3200" dirty="0" err="1" smtClean="0"/>
+              <a:t>Kuài</a:t>
+            </a:r>
+            <a:endParaRPr lang="en-US" sz="3200" dirty="0" smtClean="0"/>
+          </a:p>
+          <a:p>
+            <a:endParaRPr lang="en-US" sz="3200" dirty="0" smtClean="0"/>
+          </a:p>
+          <a:p>
+            <a:endParaRPr lang="en-US" sz="3200" dirty="0" smtClean="0"/>
+          </a:p>
+          <a:p>
+            <a:r>
+              <a:rPr lang="en-US" sz="3200" dirty="0" err="1" smtClean="0"/>
+              <a:t>Lè</a:t>
+            </a:r>
+            <a:endParaRPr lang="en-US" sz="3200" dirty="0" smtClean="0"/>
+          </a:p>
+        </p:txBody>
+      </p:sp>
+      <p:sp>
+        <p:nvSpPr>
+          <p:cNvPr id="8" name="矩形 7"/>
+          <p:cNvSpPr/>
+          <p:nvPr/>
+        </p:nvSpPr>
+        <p:spPr>
+          <a:xfrm>
+            <a:off x="4429124" y="1333577"/>
+            <a:ext cx="1214446" cy="4524315"/>
+          </a:xfrm>
+          <a:prstGeom prst="rect">
+            <a:avLst/>
+          </a:prstGeom>
+        </p:spPr>
+        <p:txBody>
+          <a:bodyPr wrap="square">
+            <a:spAutoFit/>
+          </a:bodyPr>
+          <a:lstStyle/>
+          <a:p>
+            <a:r>
+              <a:rPr lang="en-US" sz="3200" dirty="0" err="1" smtClean="0"/>
+              <a:t>Xīn</a:t>
+            </a:r>
+            <a:endParaRPr lang="en-US" sz="3200" dirty="0" smtClean="0"/>
+          </a:p>
+          <a:p>
+            <a:endParaRPr lang="en-US" sz="3200" dirty="0" smtClean="0"/>
+          </a:p>
+          <a:p>
+            <a:endParaRPr lang="en-US" sz="3200" dirty="0" smtClean="0"/>
+          </a:p>
+          <a:p>
+            <a:r>
+              <a:rPr lang="en-US" sz="3200" dirty="0" err="1" smtClean="0"/>
+              <a:t>Chūn</a:t>
+            </a:r>
+            <a:endParaRPr lang="en-US" sz="3200" dirty="0" smtClean="0"/>
+          </a:p>
+          <a:p>
+            <a:endParaRPr lang="en-US" sz="3200" dirty="0" smtClean="0"/>
+          </a:p>
+          <a:p>
+            <a:r>
+              <a:rPr lang="en-US" sz="3200" dirty="0" err="1" smtClean="0"/>
+              <a:t>Yú</a:t>
+            </a:r>
+            <a:endParaRPr lang="en-US" sz="3200" dirty="0" smtClean="0"/>
+          </a:p>
+          <a:p>
+            <a:endParaRPr lang="en-US" sz="3200" dirty="0" smtClean="0"/>
+          </a:p>
+          <a:p>
+            <a:endParaRPr lang="en-US" sz="3200" dirty="0" smtClean="0"/>
+          </a:p>
+          <a:p>
+            <a:r>
+              <a:rPr lang="en-US" sz="3200" dirty="0" err="1" smtClean="0"/>
+              <a:t>kuài</a:t>
+            </a:r>
+            <a:endParaRPr lang="zh-TW" altLang="en-US" sz="3200" dirty="0"/>
           </a:p>
         </p:txBody>
       </p:sp>
@@ -3488,7 +3645,7 @@
         </p:blipFill>
         <p:spPr bwMode="auto">
           <a:xfrm>
-            <a:off x="1285852" y="2495573"/>
+            <a:off x="0" y="2357430"/>
             <a:ext cx="4500594" cy="4362451"/>
           </a:xfrm>
           <a:prstGeom prst="rect">
@@ -3505,7 +3662,7 @@
         </p:nvSpPr>
         <p:spPr>
           <a:xfrm>
-            <a:off x="5238729" y="714356"/>
+            <a:off x="5238659" y="714356"/>
             <a:ext cx="3262432" cy="5286756"/>
           </a:xfrm>
           <a:prstGeom prst="rect">
@@ -3534,7 +3691,40 @@
                 <a:latin typeface="標楷體" pitchFamily="65" charset="-120"/>
                 <a:ea typeface="標楷體" pitchFamily="65" charset="-120"/>
               </a:rPr>
-              <a:t>萬事如意心想事成</a:t>
+              <a:t>身體健康</a:t>
+            </a:r>
+            <a:endParaRPr lang="en-US" altLang="zh-TW" sz="10000" b="1" dirty="0" smtClean="0">
+              <a:solidFill>
+                <a:srgbClr val="FF0000"/>
+              </a:solidFill>
+              <a:effectLst>
+                <a:outerShdw blurRad="38100" dist="38100" dir="2700000" algn="tl">
+                  <a:srgbClr val="000000">
+                    <a:alpha val="43137"/>
+                  </a:srgbClr>
+                </a:outerShdw>
+              </a:effectLst>
+              <a:latin typeface="標楷體" pitchFamily="65" charset="-120"/>
+              <a:ea typeface="標楷體" pitchFamily="65" charset="-120"/>
+            </a:endParaRPr>
+          </a:p>
+          <a:p>
+            <a:r>
+              <a:rPr lang="zh-TW" altLang="en-US" sz="10000" b="1" dirty="0" smtClean="0">
+                <a:solidFill>
+                  <a:srgbClr val="FF0000"/>
+                </a:solidFill>
+                <a:effectLst>
+                  <a:outerShdw blurRad="38100" dist="38100" dir="2700000" algn="tl">
+                    <a:srgbClr val="000000">
+                      <a:alpha val="43137"/>
+                    </a:srgbClr>
+                  </a:outerShdw>
+                </a:effectLst>
+                <a:latin typeface="標楷體" pitchFamily="65" charset="-120"/>
+                <a:ea typeface="標楷體" pitchFamily="65" charset="-120"/>
+              </a:rPr>
+              <a:t>身壯力健</a:t>
             </a:r>
             <a:endParaRPr lang="zh-TW" altLang="en-US" sz="10000" b="1" dirty="0">
               <a:solidFill>
@@ -3602,7 +3792,7 @@
         </p:blipFill>
         <p:spPr bwMode="auto">
           <a:xfrm>
-            <a:off x="1285852" y="2495573"/>
+            <a:off x="0" y="2357430"/>
             <a:ext cx="4500594" cy="4362451"/>
           </a:xfrm>
           <a:prstGeom prst="rect">
@@ -3619,7 +3809,7 @@
         </p:nvSpPr>
         <p:spPr>
           <a:xfrm>
-            <a:off x="5238803" y="714356"/>
+            <a:off x="5238659" y="714356"/>
             <a:ext cx="3262432" cy="5286756"/>
           </a:xfrm>
           <a:prstGeom prst="rect">
@@ -3648,7 +3838,40 @@
                 <a:latin typeface="標楷體" pitchFamily="65" charset="-120"/>
                 <a:ea typeface="標楷體" pitchFamily="65" charset="-120"/>
               </a:rPr>
-              <a:t>合家平安步步高升</a:t>
+              <a:t>身體健康</a:t>
+            </a:r>
+            <a:endParaRPr lang="en-US" altLang="zh-TW" sz="10000" b="1" dirty="0" smtClean="0">
+              <a:solidFill>
+                <a:srgbClr val="FF0000"/>
+              </a:solidFill>
+              <a:effectLst>
+                <a:outerShdw blurRad="38100" dist="38100" dir="2700000" algn="tl">
+                  <a:srgbClr val="000000">
+                    <a:alpha val="43137"/>
+                  </a:srgbClr>
+                </a:outerShdw>
+              </a:effectLst>
+              <a:latin typeface="標楷體" pitchFamily="65" charset="-120"/>
+              <a:ea typeface="標楷體" pitchFamily="65" charset="-120"/>
+            </a:endParaRPr>
+          </a:p>
+          <a:p>
+            <a:r>
+              <a:rPr lang="zh-TW" altLang="en-US" sz="10000" b="1" dirty="0" smtClean="0">
+                <a:solidFill>
+                  <a:srgbClr val="FF0000"/>
+                </a:solidFill>
+                <a:effectLst>
+                  <a:outerShdw blurRad="38100" dist="38100" dir="2700000" algn="tl">
+                    <a:srgbClr val="000000">
+                      <a:alpha val="43137"/>
+                    </a:srgbClr>
+                  </a:outerShdw>
+                </a:effectLst>
+                <a:latin typeface="標楷體" pitchFamily="65" charset="-120"/>
+                <a:ea typeface="標楷體" pitchFamily="65" charset="-120"/>
+              </a:rPr>
+              <a:t>身壯力健</a:t>
             </a:r>
             <a:endParaRPr lang="zh-TW" altLang="en-US" sz="10000" b="1" dirty="0">
               <a:solidFill>
@@ -3664,6 +3887,144 @@
               <a:latin typeface="標楷體" pitchFamily="65" charset="-120"/>
               <a:ea typeface="標楷體" pitchFamily="65" charset="-120"/>
             </a:endParaRPr>
+          </a:p>
+        </p:txBody>
+      </p:sp>
+      <p:sp>
+        <p:nvSpPr>
+          <p:cNvPr id="4" name="矩形 3"/>
+          <p:cNvSpPr/>
+          <p:nvPr/>
+        </p:nvSpPr>
+        <p:spPr>
+          <a:xfrm>
+            <a:off x="4500562" y="1357298"/>
+            <a:ext cx="1571636" cy="4524315"/>
+          </a:xfrm>
+          <a:prstGeom prst="rect">
+            <a:avLst/>
+          </a:prstGeom>
+        </p:spPr>
+        <p:txBody>
+          <a:bodyPr wrap="square">
+            <a:spAutoFit/>
+          </a:bodyPr>
+          <a:lstStyle/>
+          <a:p>
+            <a:r>
+              <a:rPr lang="en-US" sz="3200" dirty="0" err="1" smtClean="0"/>
+              <a:t>Shēn</a:t>
+            </a:r>
+            <a:endParaRPr lang="en-US" sz="3200" dirty="0" smtClean="0"/>
+          </a:p>
+          <a:p>
+            <a:endParaRPr lang="en-US" sz="3200" dirty="0" smtClean="0"/>
+          </a:p>
+          <a:p>
+            <a:endParaRPr lang="en-US" sz="3200" dirty="0" smtClean="0"/>
+          </a:p>
+          <a:p>
+            <a:r>
+              <a:rPr lang="en-US" sz="3200" dirty="0" err="1" smtClean="0"/>
+              <a:t>Zhuàng</a:t>
+            </a:r>
+            <a:endParaRPr lang="en-US" sz="3200" dirty="0" smtClean="0"/>
+          </a:p>
+          <a:p>
+            <a:endParaRPr lang="en-US" sz="3200" dirty="0" smtClean="0"/>
+          </a:p>
+          <a:p>
+            <a:r>
+              <a:rPr lang="en-US" sz="3200" dirty="0" smtClean="0"/>
+              <a:t> </a:t>
+            </a:r>
+            <a:r>
+              <a:rPr lang="en-US" sz="3200" dirty="0" smtClean="0"/>
+              <a:t>     </a:t>
+            </a:r>
+            <a:r>
+              <a:rPr lang="en-US" sz="3200" dirty="0" err="1" smtClean="0"/>
+              <a:t>Lì</a:t>
+            </a:r>
+            <a:endParaRPr lang="en-US" sz="3200" dirty="0" smtClean="0"/>
+          </a:p>
+          <a:p>
+            <a:endParaRPr lang="en-US" sz="3200" dirty="0" smtClean="0"/>
+          </a:p>
+          <a:p>
+            <a:endParaRPr lang="en-US" sz="3200" dirty="0" smtClean="0"/>
+          </a:p>
+          <a:p>
+            <a:r>
+              <a:rPr lang="en-US" sz="3200" dirty="0" err="1" smtClean="0"/>
+              <a:t>jiàn</a:t>
+            </a:r>
+            <a:endParaRPr lang="zh-TW" altLang="en-US" sz="3200" dirty="0"/>
+          </a:p>
+        </p:txBody>
+      </p:sp>
+      <p:sp>
+        <p:nvSpPr>
+          <p:cNvPr id="6" name="矩形 5"/>
+          <p:cNvSpPr/>
+          <p:nvPr/>
+        </p:nvSpPr>
+        <p:spPr>
+          <a:xfrm>
+            <a:off x="8143900" y="1357298"/>
+            <a:ext cx="1214446" cy="4524315"/>
+          </a:xfrm>
+          <a:prstGeom prst="rect">
+            <a:avLst/>
+          </a:prstGeom>
+        </p:spPr>
+        <p:txBody>
+          <a:bodyPr wrap="square">
+            <a:spAutoFit/>
+          </a:bodyPr>
+          <a:lstStyle/>
+          <a:p>
+            <a:r>
+              <a:rPr lang="en-US" sz="3200" dirty="0" err="1" smtClean="0"/>
+              <a:t>Shēn</a:t>
+            </a:r>
+            <a:endParaRPr lang="en-US" sz="3200" dirty="0" smtClean="0"/>
+          </a:p>
+          <a:p>
+            <a:endParaRPr lang="en-US" sz="3200" dirty="0" smtClean="0"/>
+          </a:p>
+          <a:p>
+            <a:endParaRPr lang="en-US" sz="3200" dirty="0" smtClean="0"/>
+          </a:p>
+          <a:p>
+            <a:r>
+              <a:rPr lang="en-US" sz="3200" dirty="0" err="1" smtClean="0"/>
+              <a:t>Tǐ</a:t>
+            </a:r>
+            <a:endParaRPr lang="en-US" sz="3200" dirty="0" smtClean="0"/>
+          </a:p>
+          <a:p>
+            <a:endParaRPr lang="en-US" sz="3200" dirty="0" smtClean="0"/>
+          </a:p>
+          <a:p>
+            <a:r>
+              <a:rPr lang="en-US" sz="3200" dirty="0" err="1" smtClean="0"/>
+              <a:t>jiàn</a:t>
+            </a:r>
+            <a:endParaRPr lang="en-US" sz="3200" dirty="0" smtClean="0"/>
+          </a:p>
+          <a:p>
+            <a:endParaRPr lang="en-US" sz="3200" dirty="0" smtClean="0"/>
+          </a:p>
+          <a:p>
+            <a:endParaRPr lang="en-US" sz="3200" dirty="0" smtClean="0"/>
+          </a:p>
+          <a:p>
+            <a:r>
+              <a:rPr lang="en-US" sz="3200" dirty="0" err="1" smtClean="0"/>
+              <a:t>kāng</a:t>
+            </a:r>
+            <a:endParaRPr lang="zh-TW" altLang="en-US" sz="3200" dirty="0"/>
           </a:p>
         </p:txBody>
       </p:sp>
@@ -3683,6 +4044,377 @@
 </file>
 
 <file path=ppt/slides/slide6.xml><?xml version="1.0" encoding="utf-8"?>
+<p:sld xmlns:a="http://schemas.openxmlformats.org/drawingml/2006/main" xmlns:r="http://schemas.openxmlformats.org/officeDocument/2006/relationships" xmlns:p="http://schemas.openxmlformats.org/presentationml/2006/main">
+  <p:cSld>
+    <p:spTree>
+      <p:nvGrpSpPr>
+        <p:cNvPr id="1" name=""/>
+        <p:cNvGrpSpPr/>
+        <p:nvPr/>
+      </p:nvGrpSpPr>
+      <p:grpSpPr>
+        <a:xfrm>
+          <a:off x="0" y="0"/>
+          <a:ext cx="0" cy="0"/>
+          <a:chOff x="0" y="0"/>
+          <a:chExt cx="0" cy="0"/>
+        </a:xfrm>
+      </p:grpSpPr>
+      <p:pic>
+        <p:nvPicPr>
+          <p:cNvPr id="4098" name="Picture 2" descr="「chuc tet clipart」的圖片搜尋結果"/>
+          <p:cNvPicPr>
+            <a:picLocks noChangeAspect="1" noChangeArrowheads="1"/>
+          </p:cNvPicPr>
+          <p:nvPr/>
+        </p:nvPicPr>
+        <p:blipFill>
+          <a:blip r:embed="rId2"/>
+          <a:srcRect l="10000" r="11249"/>
+          <a:stretch>
+            <a:fillRect/>
+          </a:stretch>
+        </p:blipFill>
+        <p:spPr bwMode="auto">
+          <a:xfrm>
+            <a:off x="142844" y="2285992"/>
+            <a:ext cx="4500594" cy="4362451"/>
+          </a:xfrm>
+          <a:prstGeom prst="rect">
+            <a:avLst/>
+          </a:prstGeom>
+          <a:noFill/>
+        </p:spPr>
+      </p:pic>
+      <p:sp>
+        <p:nvSpPr>
+          <p:cNvPr id="5" name="文字方塊 4"/>
+          <p:cNvSpPr txBox="1"/>
+          <p:nvPr/>
+        </p:nvSpPr>
+        <p:spPr>
+          <a:xfrm>
+            <a:off x="5238803" y="714356"/>
+            <a:ext cx="3262432" cy="5286756"/>
+          </a:xfrm>
+          <a:prstGeom prst="rect">
+            <a:avLst/>
+          </a:prstGeom>
+          <a:noFill/>
+        </p:spPr>
+        <p:txBody>
+          <a:bodyPr vert="eaVert" wrap="square" rtlCol="0">
+            <a:spAutoFit/>
+          </a:bodyPr>
+          <a:lstStyle/>
+          <a:p>
+            <a:r>
+              <a:rPr lang="zh-TW" altLang="en-US" sz="10000" b="1" dirty="0" smtClean="0">
+                <a:solidFill>
+                  <a:srgbClr val="FF0000"/>
+                </a:solidFill>
+                <a:effectLst>
+                  <a:outerShdw blurRad="38100" dist="38100" dir="2700000" algn="tl">
+                    <a:srgbClr val="000000">
+                      <a:alpha val="43137"/>
+                    </a:srgbClr>
+                  </a:outerShdw>
+                </a:effectLst>
+                <a:latin typeface="標楷體" pitchFamily="65" charset="-120"/>
+                <a:ea typeface="標楷體" pitchFamily="65" charset="-120"/>
+              </a:rPr>
+              <a:t>合家平安步步高升</a:t>
+            </a:r>
+            <a:endParaRPr lang="zh-TW" altLang="en-US" sz="10000" b="1" dirty="0">
+              <a:solidFill>
+                <a:srgbClr val="FF0000"/>
+              </a:solidFill>
+              <a:effectLst>
+                <a:outerShdw blurRad="38100" dist="38100" dir="2700000" algn="tl">
+                  <a:srgbClr val="000000">
+                    <a:alpha val="43137"/>
+                  </a:srgbClr>
+                </a:outerShdw>
+              </a:effectLst>
+              <a:latin typeface="標楷體" pitchFamily="65" charset="-120"/>
+              <a:ea typeface="標楷體" pitchFamily="65" charset="-120"/>
+            </a:endParaRPr>
+          </a:p>
+        </p:txBody>
+      </p:sp>
+    </p:spTree>
+  </p:cSld>
+  <p:clrMapOvr>
+    <a:masterClrMapping/>
+  </p:clrMapOvr>
+  <p:timing>
+    <p:tnLst>
+      <p:par>
+        <p:cTn id="1" dur="indefinite" restart="never" nodeType="tmRoot"/>
+      </p:par>
+    </p:tnLst>
+  </p:timing>
+</p:sld>
+</file>
+
+<file path=ppt/slides/slide7.xml><?xml version="1.0" encoding="utf-8"?>
+<p:sld xmlns:a="http://schemas.openxmlformats.org/drawingml/2006/main" xmlns:r="http://schemas.openxmlformats.org/officeDocument/2006/relationships" xmlns:p="http://schemas.openxmlformats.org/presentationml/2006/main">
+  <p:cSld>
+    <p:spTree>
+      <p:nvGrpSpPr>
+        <p:cNvPr id="1" name=""/>
+        <p:cNvGrpSpPr/>
+        <p:nvPr/>
+      </p:nvGrpSpPr>
+      <p:grpSpPr>
+        <a:xfrm>
+          <a:off x="0" y="0"/>
+          <a:ext cx="0" cy="0"/>
+          <a:chOff x="0" y="0"/>
+          <a:chExt cx="0" cy="0"/>
+        </a:xfrm>
+      </p:grpSpPr>
+      <p:pic>
+        <p:nvPicPr>
+          <p:cNvPr id="4098" name="Picture 2" descr="「chuc tet clipart」的圖片搜尋結果"/>
+          <p:cNvPicPr>
+            <a:picLocks noChangeAspect="1" noChangeArrowheads="1"/>
+          </p:cNvPicPr>
+          <p:nvPr/>
+        </p:nvPicPr>
+        <p:blipFill>
+          <a:blip r:embed="rId2"/>
+          <a:srcRect l="10000" r="11249"/>
+          <a:stretch>
+            <a:fillRect/>
+          </a:stretch>
+        </p:blipFill>
+        <p:spPr bwMode="auto">
+          <a:xfrm>
+            <a:off x="142844" y="2285992"/>
+            <a:ext cx="4500594" cy="4362451"/>
+          </a:xfrm>
+          <a:prstGeom prst="rect">
+            <a:avLst/>
+          </a:prstGeom>
+          <a:noFill/>
+        </p:spPr>
+      </p:pic>
+      <p:sp>
+        <p:nvSpPr>
+          <p:cNvPr id="5" name="文字方塊 4"/>
+          <p:cNvSpPr txBox="1"/>
+          <p:nvPr/>
+        </p:nvSpPr>
+        <p:spPr>
+          <a:xfrm>
+            <a:off x="5238803" y="714356"/>
+            <a:ext cx="3262432" cy="5286756"/>
+          </a:xfrm>
+          <a:prstGeom prst="rect">
+            <a:avLst/>
+          </a:prstGeom>
+          <a:noFill/>
+        </p:spPr>
+        <p:txBody>
+          <a:bodyPr vert="eaVert" wrap="square" rtlCol="0">
+            <a:spAutoFit/>
+          </a:bodyPr>
+          <a:lstStyle/>
+          <a:p>
+            <a:r>
+              <a:rPr lang="zh-TW" altLang="en-US" sz="10000" b="1" dirty="0" smtClean="0">
+                <a:solidFill>
+                  <a:srgbClr val="FF0000"/>
+                </a:solidFill>
+                <a:effectLst>
+                  <a:outerShdw blurRad="38100" dist="38100" dir="2700000" algn="tl">
+                    <a:srgbClr val="000000">
+                      <a:alpha val="43137"/>
+                    </a:srgbClr>
+                  </a:outerShdw>
+                </a:effectLst>
+                <a:latin typeface="標楷體" pitchFamily="65" charset="-120"/>
+                <a:ea typeface="標楷體" pitchFamily="65" charset="-120"/>
+              </a:rPr>
+              <a:t>合家平安步步高升</a:t>
+            </a:r>
+            <a:endParaRPr lang="zh-TW" altLang="en-US" sz="10000" b="1" dirty="0">
+              <a:solidFill>
+                <a:srgbClr val="FF0000"/>
+              </a:solidFill>
+              <a:effectLst>
+                <a:outerShdw blurRad="38100" dist="38100" dir="2700000" algn="tl">
+                  <a:srgbClr val="000000">
+                    <a:alpha val="43137"/>
+                  </a:srgbClr>
+                </a:outerShdw>
+              </a:effectLst>
+              <a:latin typeface="標楷體" pitchFamily="65" charset="-120"/>
+              <a:ea typeface="標楷體" pitchFamily="65" charset="-120"/>
+            </a:endParaRPr>
+          </a:p>
+        </p:txBody>
+      </p:sp>
+      <p:sp>
+        <p:nvSpPr>
+          <p:cNvPr id="4" name="矩形 3"/>
+          <p:cNvSpPr/>
+          <p:nvPr/>
+        </p:nvSpPr>
+        <p:spPr>
+          <a:xfrm>
+            <a:off x="8143900" y="1571612"/>
+            <a:ext cx="1000132" cy="4031873"/>
+          </a:xfrm>
+          <a:prstGeom prst="rect">
+            <a:avLst/>
+          </a:prstGeom>
+        </p:spPr>
+        <p:txBody>
+          <a:bodyPr wrap="square">
+            <a:spAutoFit/>
+          </a:bodyPr>
+          <a:lstStyle/>
+          <a:p>
+            <a:r>
+              <a:rPr lang="en-US" sz="3200" dirty="0" err="1" smtClean="0"/>
+              <a:t>Hé</a:t>
+            </a:r>
+            <a:endParaRPr lang="en-US" sz="3200" dirty="0" smtClean="0"/>
+          </a:p>
+          <a:p>
+            <a:endParaRPr lang="en-US" sz="3200" dirty="0" smtClean="0"/>
+          </a:p>
+          <a:p>
+            <a:r>
+              <a:rPr lang="en-US" sz="3200" dirty="0" err="1" smtClean="0"/>
+              <a:t>Jiā</a:t>
+            </a:r>
+            <a:endParaRPr lang="en-US" sz="3200" dirty="0" smtClean="0"/>
+          </a:p>
+          <a:p>
+            <a:endParaRPr lang="en-US" sz="3200" dirty="0" smtClean="0"/>
+          </a:p>
+          <a:p>
+            <a:endParaRPr lang="en-US" sz="3200" dirty="0" smtClean="0"/>
+          </a:p>
+          <a:p>
+            <a:r>
+              <a:rPr lang="en-US" sz="3200" dirty="0" err="1" smtClean="0"/>
+              <a:t>píng</a:t>
+            </a:r>
+            <a:endParaRPr lang="en-US" sz="3200" dirty="0" smtClean="0"/>
+          </a:p>
+          <a:p>
+            <a:endParaRPr lang="en-US" sz="3200" dirty="0" smtClean="0"/>
+          </a:p>
+          <a:p>
+            <a:r>
+              <a:rPr lang="en-US" sz="3200" dirty="0" err="1" smtClean="0"/>
+              <a:t>ān</a:t>
+            </a:r>
+            <a:endParaRPr lang="zh-TW" altLang="en-US" sz="3200" dirty="0"/>
+          </a:p>
+        </p:txBody>
+      </p:sp>
+      <p:sp>
+        <p:nvSpPr>
+          <p:cNvPr id="6" name="矩形 5"/>
+          <p:cNvSpPr/>
+          <p:nvPr/>
+        </p:nvSpPr>
+        <p:spPr>
+          <a:xfrm>
+            <a:off x="4643438" y="1571612"/>
+            <a:ext cx="1214446" cy="4031873"/>
+          </a:xfrm>
+          <a:prstGeom prst="rect">
+            <a:avLst/>
+          </a:prstGeom>
+        </p:spPr>
+        <p:txBody>
+          <a:bodyPr wrap="square">
+            <a:spAutoFit/>
+          </a:bodyPr>
+          <a:lstStyle/>
+          <a:p>
+            <a:r>
+              <a:rPr lang="en-US" sz="3200" dirty="0" smtClean="0"/>
+              <a:t>  </a:t>
+            </a:r>
+            <a:r>
+              <a:rPr lang="en-US" sz="3200" dirty="0" err="1" smtClean="0"/>
+              <a:t>Bù</a:t>
+            </a:r>
+            <a:endParaRPr lang="en-US" sz="3200" dirty="0" smtClean="0"/>
+          </a:p>
+          <a:p>
+            <a:endParaRPr lang="en-US" sz="3200" dirty="0" smtClean="0"/>
+          </a:p>
+          <a:p>
+            <a:r>
+              <a:rPr lang="en-US" sz="3200" dirty="0" smtClean="0"/>
+              <a:t>  </a:t>
+            </a:r>
+            <a:r>
+              <a:rPr lang="en-US" sz="3200" dirty="0" err="1" smtClean="0"/>
+              <a:t>Bù</a:t>
+            </a:r>
+            <a:endParaRPr lang="en-US" sz="3200" dirty="0" smtClean="0"/>
+          </a:p>
+          <a:p>
+            <a:endParaRPr lang="en-US" sz="3200" dirty="0" smtClean="0"/>
+          </a:p>
+          <a:p>
+            <a:endParaRPr lang="en-US" sz="3200" dirty="0" smtClean="0"/>
+          </a:p>
+          <a:p>
+            <a:r>
+              <a:rPr lang="en-US" sz="3200" dirty="0" smtClean="0"/>
+              <a:t> </a:t>
+            </a:r>
+            <a:r>
+              <a:rPr lang="en-US" sz="3200" dirty="0" smtClean="0"/>
+              <a:t> </a:t>
+            </a:r>
+            <a:r>
+              <a:rPr lang="en-US" sz="3200" dirty="0" err="1" smtClean="0"/>
+              <a:t>gāo</a:t>
+            </a:r>
+            <a:r>
+              <a:rPr lang="en-US" sz="3200" dirty="0" smtClean="0"/>
+              <a:t> </a:t>
+            </a:r>
+          </a:p>
+          <a:p>
+            <a:endParaRPr lang="en-US" sz="3200" dirty="0" smtClean="0"/>
+          </a:p>
+          <a:p>
+            <a:r>
+              <a:rPr lang="en-US" sz="3200" dirty="0" err="1" smtClean="0"/>
+              <a:t>shēng</a:t>
+            </a:r>
+            <a:endParaRPr lang="zh-TW" altLang="en-US" sz="3200" dirty="0"/>
+          </a:p>
+        </p:txBody>
+      </p:sp>
+    </p:spTree>
+  </p:cSld>
+  <p:clrMapOvr>
+    <a:masterClrMapping/>
+  </p:clrMapOvr>
+  <p:timing>
+    <p:tnLst>
+      <p:par>
+        <p:cTn id="1" dur="indefinite" restart="never" nodeType="tmRoot"/>
+      </p:par>
+    </p:tnLst>
+  </p:timing>
+</p:sld>
+</file>
+
+<file path=ppt/slides/slide8.xml><?xml version="1.0" encoding="utf-8"?>
 <p:sld xmlns:a="http://schemas.openxmlformats.org/drawingml/2006/main" xmlns:r="http://schemas.openxmlformats.org/officeDocument/2006/relationships" xmlns:p="http://schemas.openxmlformats.org/presentationml/2006/main">
   <p:cSld>
     <p:spTree>
@@ -3897,6 +4629,276 @@
               <a:latin typeface="標楷體" pitchFamily="65" charset="-120"/>
               <a:ea typeface="標楷體" pitchFamily="65" charset="-120"/>
             </a:endParaRPr>
+          </a:p>
+        </p:txBody>
+      </p:sp>
+    </p:spTree>
+  </p:cSld>
+  <p:clrMapOvr>
+    <a:masterClrMapping/>
+  </p:clrMapOvr>
+  <p:timing>
+    <p:tnLst>
+      <p:par>
+        <p:cTn id="1" dur="indefinite" restart="never" nodeType="tmRoot"/>
+      </p:par>
+    </p:tnLst>
+  </p:timing>
+</p:sld>
+</file>
+
+<file path=ppt/slides/slide9.xml><?xml version="1.0" encoding="utf-8"?>
+<p:sld xmlns:a="http://schemas.openxmlformats.org/drawingml/2006/main" xmlns:r="http://schemas.openxmlformats.org/officeDocument/2006/relationships" xmlns:p="http://schemas.openxmlformats.org/presentationml/2006/main">
+  <p:cSld>
+    <p:spTree>
+      <p:nvGrpSpPr>
+        <p:cNvPr id="1" name=""/>
+        <p:cNvGrpSpPr/>
+        <p:nvPr/>
+      </p:nvGrpSpPr>
+      <p:grpSpPr>
+        <a:xfrm>
+          <a:off x="0" y="0"/>
+          <a:ext cx="0" cy="0"/>
+          <a:chOff x="0" y="0"/>
+          <a:chExt cx="0" cy="0"/>
+        </a:xfrm>
+      </p:grpSpPr>
+      <p:pic>
+        <p:nvPicPr>
+          <p:cNvPr id="15362" name="Picture 2" descr="「nhan li xi clipart」的圖片搜尋結果"/>
+          <p:cNvPicPr>
+            <a:picLocks noChangeAspect="1" noChangeArrowheads="1"/>
+          </p:cNvPicPr>
+          <p:nvPr/>
+        </p:nvPicPr>
+        <p:blipFill>
+          <a:blip r:embed="rId2"/>
+          <a:srcRect t="22794"/>
+          <a:stretch>
+            <a:fillRect/>
+          </a:stretch>
+        </p:blipFill>
+        <p:spPr bwMode="auto">
+          <a:xfrm>
+            <a:off x="2428860" y="2786058"/>
+            <a:ext cx="4429156" cy="4071942"/>
+          </a:xfrm>
+          <a:prstGeom prst="rect">
+            <a:avLst/>
+          </a:prstGeom>
+          <a:noFill/>
+        </p:spPr>
+      </p:pic>
+      <p:sp>
+        <p:nvSpPr>
+          <p:cNvPr id="5" name="文字方塊 4"/>
+          <p:cNvSpPr txBox="1"/>
+          <p:nvPr/>
+        </p:nvSpPr>
+        <p:spPr>
+          <a:xfrm>
+            <a:off x="857224" y="928670"/>
+            <a:ext cx="6237605" cy="923330"/>
+          </a:xfrm>
+          <a:prstGeom prst="rect">
+            <a:avLst/>
+          </a:prstGeom>
+          <a:noFill/>
+        </p:spPr>
+        <p:txBody>
+          <a:bodyPr wrap="none" rtlCol="0">
+            <a:spAutoFit/>
+          </a:bodyPr>
+          <a:lstStyle/>
+          <a:p>
+            <a:r>
+              <a:rPr lang="zh-TW" altLang="en-US" sz="2800" b="1" dirty="0" smtClean="0">
+                <a:solidFill>
+                  <a:srgbClr val="0070C0"/>
+                </a:solidFill>
+                <a:effectLst>
+                  <a:outerShdw blurRad="38100" dist="38100" dir="2700000" algn="tl">
+                    <a:srgbClr val="000000">
+                      <a:alpha val="43137"/>
+                    </a:srgbClr>
+                  </a:outerShdw>
+                </a:effectLst>
+                <a:latin typeface="標楷體" pitchFamily="65" charset="-120"/>
+                <a:ea typeface="標楷體" pitchFamily="65" charset="-120"/>
+              </a:rPr>
+              <a:t>收到紅包</a:t>
+            </a:r>
+            <a:r>
+              <a:rPr lang="en-US" altLang="zh-TW" sz="2800" b="1" dirty="0" smtClean="0">
+                <a:solidFill>
+                  <a:srgbClr val="0070C0"/>
+                </a:solidFill>
+                <a:effectLst>
+                  <a:outerShdw blurRad="38100" dist="38100" dir="2700000" algn="tl">
+                    <a:srgbClr val="000000">
+                      <a:alpha val="43137"/>
+                    </a:srgbClr>
+                  </a:outerShdw>
+                </a:effectLst>
+                <a:latin typeface="標楷體" pitchFamily="65" charset="-120"/>
+                <a:ea typeface="標楷體" pitchFamily="65" charset="-120"/>
+              </a:rPr>
+              <a:t>(</a:t>
+            </a:r>
+            <a:r>
+              <a:rPr lang="zh-TW" altLang="en-US" sz="2800" b="1" dirty="0" smtClean="0">
+                <a:solidFill>
+                  <a:srgbClr val="0070C0"/>
+                </a:solidFill>
+                <a:effectLst>
+                  <a:outerShdw blurRad="38100" dist="38100" dir="2700000" algn="tl">
+                    <a:srgbClr val="000000">
+                      <a:alpha val="43137"/>
+                    </a:srgbClr>
+                  </a:outerShdw>
+                </a:effectLst>
+                <a:latin typeface="標楷體" pitchFamily="65" charset="-120"/>
+                <a:ea typeface="標楷體" pitchFamily="65" charset="-120"/>
+              </a:rPr>
+              <a:t>利是</a:t>
+            </a:r>
+            <a:r>
+              <a:rPr lang="en-US" altLang="zh-TW" sz="2800" b="1" dirty="0" smtClean="0">
+                <a:solidFill>
+                  <a:srgbClr val="0070C0"/>
+                </a:solidFill>
+                <a:effectLst>
+                  <a:outerShdw blurRad="38100" dist="38100" dir="2700000" algn="tl">
+                    <a:srgbClr val="000000">
+                      <a:alpha val="43137"/>
+                    </a:srgbClr>
+                  </a:outerShdw>
+                </a:effectLst>
+                <a:latin typeface="標楷體" pitchFamily="65" charset="-120"/>
+                <a:ea typeface="標楷體" pitchFamily="65" charset="-120"/>
+              </a:rPr>
+              <a:t>)</a:t>
+            </a:r>
+            <a:r>
+              <a:rPr lang="zh-TW" altLang="en-US" sz="2800" b="1" dirty="0" smtClean="0">
+                <a:solidFill>
+                  <a:srgbClr val="0070C0"/>
+                </a:solidFill>
+                <a:effectLst>
+                  <a:outerShdw blurRad="38100" dist="38100" dir="2700000" algn="tl">
+                    <a:srgbClr val="000000">
+                      <a:alpha val="43137"/>
+                    </a:srgbClr>
+                  </a:outerShdw>
+                </a:effectLst>
+                <a:latin typeface="標楷體" pitchFamily="65" charset="-120"/>
+                <a:ea typeface="標楷體" pitchFamily="65" charset="-120"/>
+              </a:rPr>
+              <a:t>後要記得說</a:t>
+            </a:r>
+            <a:r>
+              <a:rPr lang="en-US" altLang="zh-TW" sz="2800" b="1" dirty="0" smtClean="0">
+                <a:solidFill>
+                  <a:srgbClr val="0070C0"/>
+                </a:solidFill>
+                <a:effectLst>
+                  <a:outerShdw blurRad="38100" dist="38100" dir="2700000" algn="tl">
+                    <a:srgbClr val="000000">
+                      <a:alpha val="43137"/>
+                    </a:srgbClr>
+                  </a:outerShdw>
+                </a:effectLst>
+                <a:latin typeface="標楷體" pitchFamily="65" charset="-120"/>
+                <a:ea typeface="標楷體" pitchFamily="65" charset="-120"/>
+              </a:rPr>
+              <a:t>:</a:t>
+            </a:r>
+            <a:r>
+              <a:rPr lang="zh-TW" altLang="en-US" sz="2800" b="1" dirty="0" smtClean="0">
+                <a:solidFill>
+                  <a:srgbClr val="0070C0"/>
+                </a:solidFill>
+                <a:effectLst>
+                  <a:outerShdw blurRad="38100" dist="38100" dir="2700000" algn="tl">
+                    <a:srgbClr val="000000">
+                      <a:alpha val="43137"/>
+                    </a:srgbClr>
+                  </a:outerShdw>
+                </a:effectLst>
+                <a:latin typeface="標楷體" pitchFamily="65" charset="-120"/>
+                <a:ea typeface="標楷體" pitchFamily="65" charset="-120"/>
+              </a:rPr>
+              <a:t> </a:t>
+            </a:r>
+            <a:r>
+              <a:rPr lang="zh-TW" altLang="en-US" sz="5400" b="1" dirty="0" smtClean="0">
+                <a:solidFill>
+                  <a:srgbClr val="FF0000"/>
+                </a:solidFill>
+                <a:effectLst>
+                  <a:outerShdw blurRad="38100" dist="38100" dir="2700000" algn="tl">
+                    <a:srgbClr val="000000">
+                      <a:alpha val="43137"/>
+                    </a:srgbClr>
+                  </a:outerShdw>
+                </a:effectLst>
+                <a:latin typeface="標楷體" pitchFamily="65" charset="-120"/>
+                <a:ea typeface="標楷體" pitchFamily="65" charset="-120"/>
+              </a:rPr>
+              <a:t>謝謝</a:t>
+            </a:r>
+            <a:endParaRPr lang="zh-TW" altLang="en-US" sz="5400" b="1" dirty="0">
+              <a:solidFill>
+                <a:srgbClr val="FF0000"/>
+              </a:solidFill>
+              <a:effectLst>
+                <a:outerShdw blurRad="38100" dist="38100" dir="2700000" algn="tl">
+                  <a:srgbClr val="000000">
+                    <a:alpha val="43137"/>
+                  </a:srgbClr>
+                </a:outerShdw>
+              </a:effectLst>
+              <a:latin typeface="標楷體" pitchFamily="65" charset="-120"/>
+              <a:ea typeface="標楷體" pitchFamily="65" charset="-120"/>
+            </a:endParaRPr>
+          </a:p>
+        </p:txBody>
+      </p:sp>
+      <p:sp>
+        <p:nvSpPr>
+          <p:cNvPr id="4" name="矩形 3"/>
+          <p:cNvSpPr/>
+          <p:nvPr/>
+        </p:nvSpPr>
+        <p:spPr>
+          <a:xfrm>
+            <a:off x="5643570" y="1714488"/>
+            <a:ext cx="1571636" cy="461665"/>
+          </a:xfrm>
+          <a:prstGeom prst="rect">
+            <a:avLst/>
+          </a:prstGeom>
+        </p:spPr>
+        <p:txBody>
+          <a:bodyPr wrap="square">
+            <a:spAutoFit/>
+          </a:bodyPr>
+          <a:lstStyle/>
+          <a:p>
+            <a:r>
+              <a:rPr lang="en-US" sz="2400" dirty="0" err="1" smtClean="0"/>
+              <a:t>Xiè</a:t>
+            </a:r>
+            <a:r>
+              <a:rPr lang="en-US" sz="2400" dirty="0" smtClean="0"/>
+              <a:t>    </a:t>
+            </a:r>
+            <a:r>
+              <a:rPr lang="en-US" sz="2400" dirty="0" err="1" smtClean="0"/>
+              <a:t>xiè</a:t>
+            </a:r>
+            <a:endParaRPr lang="zh-TW" altLang="en-US" sz="2400" dirty="0"/>
           </a:p>
         </p:txBody>
       </p:sp>
